--- a/architecture/CQRS + AXON.pptx
+++ b/architecture/CQRS + AXON.pptx
@@ -19,7 +19,9 @@
     <p:sldId id="267" r:id="rId13"/>
     <p:sldId id="268" r:id="rId14"/>
     <p:sldId id="269" r:id="rId15"/>
-    <p:sldId id="270" r:id="rId16"/>
+    <p:sldId id="271" r:id="rId16"/>
+    <p:sldId id="272" r:id="rId17"/>
+    <p:sldId id="270" r:id="rId18"/>
   </p:sldIdLst>
   <p:sldSz cx="12192000" cy="6858000"/>
   <p:notesSz cx="6858000" cy="9144000"/>
@@ -273,7 +275,7 @@
           <a:p>
             <a:fld id="{1606081C-D230-4ED4-9C2F-E1FF72933656}" type="datetimeFigureOut">
               <a:rPr lang="en-US" smtClean="0"/>
-              <a:t>3/27/2023</a:t>
+              <a:t>4/6/2023</a:t>
             </a:fld>
             <a:endParaRPr lang="en-US"/>
           </a:p>
@@ -471,7 +473,7 @@
           <a:p>
             <a:fld id="{1606081C-D230-4ED4-9C2F-E1FF72933656}" type="datetimeFigureOut">
               <a:rPr lang="en-US" smtClean="0"/>
-              <a:t>3/27/2023</a:t>
+              <a:t>4/6/2023</a:t>
             </a:fld>
             <a:endParaRPr lang="en-US"/>
           </a:p>
@@ -679,7 +681,7 @@
           <a:p>
             <a:fld id="{1606081C-D230-4ED4-9C2F-E1FF72933656}" type="datetimeFigureOut">
               <a:rPr lang="en-US" smtClean="0"/>
-              <a:t>3/27/2023</a:t>
+              <a:t>4/6/2023</a:t>
             </a:fld>
             <a:endParaRPr lang="en-US"/>
           </a:p>
@@ -877,7 +879,7 @@
           <a:p>
             <a:fld id="{1606081C-D230-4ED4-9C2F-E1FF72933656}" type="datetimeFigureOut">
               <a:rPr lang="en-US" smtClean="0"/>
-              <a:t>3/27/2023</a:t>
+              <a:t>4/6/2023</a:t>
             </a:fld>
             <a:endParaRPr lang="en-US"/>
           </a:p>
@@ -1152,7 +1154,7 @@
           <a:p>
             <a:fld id="{1606081C-D230-4ED4-9C2F-E1FF72933656}" type="datetimeFigureOut">
               <a:rPr lang="en-US" smtClean="0"/>
-              <a:t>3/27/2023</a:t>
+              <a:t>4/6/2023</a:t>
             </a:fld>
             <a:endParaRPr lang="en-US"/>
           </a:p>
@@ -1417,7 +1419,7 @@
           <a:p>
             <a:fld id="{1606081C-D230-4ED4-9C2F-E1FF72933656}" type="datetimeFigureOut">
               <a:rPr lang="en-US" smtClean="0"/>
-              <a:t>3/27/2023</a:t>
+              <a:t>4/6/2023</a:t>
             </a:fld>
             <a:endParaRPr lang="en-US"/>
           </a:p>
@@ -1829,7 +1831,7 @@
           <a:p>
             <a:fld id="{1606081C-D230-4ED4-9C2F-E1FF72933656}" type="datetimeFigureOut">
               <a:rPr lang="en-US" smtClean="0"/>
-              <a:t>3/27/2023</a:t>
+              <a:t>4/6/2023</a:t>
             </a:fld>
             <a:endParaRPr lang="en-US"/>
           </a:p>
@@ -1970,7 +1972,7 @@
           <a:p>
             <a:fld id="{1606081C-D230-4ED4-9C2F-E1FF72933656}" type="datetimeFigureOut">
               <a:rPr lang="en-US" smtClean="0"/>
-              <a:t>3/27/2023</a:t>
+              <a:t>4/6/2023</a:t>
             </a:fld>
             <a:endParaRPr lang="en-US"/>
           </a:p>
@@ -2083,7 +2085,7 @@
           <a:p>
             <a:fld id="{1606081C-D230-4ED4-9C2F-E1FF72933656}" type="datetimeFigureOut">
               <a:rPr lang="en-US" smtClean="0"/>
-              <a:t>3/27/2023</a:t>
+              <a:t>4/6/2023</a:t>
             </a:fld>
             <a:endParaRPr lang="en-US"/>
           </a:p>
@@ -2394,7 +2396,7 @@
           <a:p>
             <a:fld id="{1606081C-D230-4ED4-9C2F-E1FF72933656}" type="datetimeFigureOut">
               <a:rPr lang="en-US" smtClean="0"/>
-              <a:t>3/27/2023</a:t>
+              <a:t>4/6/2023</a:t>
             </a:fld>
             <a:endParaRPr lang="en-US"/>
           </a:p>
@@ -2682,7 +2684,7 @@
           <a:p>
             <a:fld id="{1606081C-D230-4ED4-9C2F-E1FF72933656}" type="datetimeFigureOut">
               <a:rPr lang="en-US" smtClean="0"/>
-              <a:t>3/27/2023</a:t>
+              <a:t>4/6/2023</a:t>
             </a:fld>
             <a:endParaRPr lang="en-US"/>
           </a:p>
@@ -2923,7 +2925,7 @@
           <a:p>
             <a:fld id="{1606081C-D230-4ED4-9C2F-E1FF72933656}" type="datetimeFigureOut">
               <a:rPr lang="en-US" smtClean="0"/>
-              <a:t>3/27/2023</a:t>
+              <a:t>4/6/2023</a:t>
             </a:fld>
             <a:endParaRPr lang="en-US"/>
           </a:p>
@@ -5069,6 +5071,212 @@
           <p:cNvPr id="2" name="Title 1">
             <a:extLst>
               <a:ext uri="{FF2B5EF4-FFF2-40B4-BE49-F238E27FC236}">
+                <a16:creationId xmlns:a16="http://schemas.microsoft.com/office/drawing/2014/main" id="{01E1BCFF-7A9D-1336-E8E1-148D5DED7E66}"/>
+              </a:ext>
+            </a:extLst>
+          </p:cNvPr>
+          <p:cNvSpPr>
+            <a:spLocks noGrp="1"/>
+          </p:cNvSpPr>
+          <p:nvPr>
+            <p:ph type="title"/>
+          </p:nvPr>
+        </p:nvSpPr>
+        <p:spPr>
+          <a:xfrm>
+            <a:off x="335560" y="365125"/>
+            <a:ext cx="11501305" cy="1325563"/>
+          </a:xfrm>
+        </p:spPr>
+        <p:txBody>
+          <a:bodyPr/>
+          <a:lstStyle/>
+          <a:p>
+            <a:r>
+              <a:rPr lang="en-US" dirty="0"/>
+              <a:t>What did we understand from this presentation?</a:t>
+            </a:r>
+          </a:p>
+        </p:txBody>
+      </p:sp>
+      <p:sp>
+        <p:nvSpPr>
+          <p:cNvPr id="3" name="Content Placeholder 2">
+            <a:extLst>
+              <a:ext uri="{FF2B5EF4-FFF2-40B4-BE49-F238E27FC236}">
+                <a16:creationId xmlns:a16="http://schemas.microsoft.com/office/drawing/2014/main" id="{EF9BF35A-BD34-1C1E-0B37-CC81845AE09A}"/>
+              </a:ext>
+            </a:extLst>
+          </p:cNvPr>
+          <p:cNvSpPr>
+            <a:spLocks noGrp="1"/>
+          </p:cNvSpPr>
+          <p:nvPr>
+            <p:ph idx="1"/>
+          </p:nvPr>
+        </p:nvSpPr>
+        <p:spPr>
+          <a:xfrm>
+            <a:off x="838200" y="2362520"/>
+            <a:ext cx="10515600" cy="3081935"/>
+          </a:xfrm>
+        </p:spPr>
+        <p:txBody>
+          <a:bodyPr/>
+          <a:lstStyle/>
+          <a:p>
+            <a:r>
+              <a:rPr lang="en-US" dirty="0"/>
+              <a:t>CQRS is a pattern that helps separate write and read parts of the APP.</a:t>
+            </a:r>
+          </a:p>
+          <a:p>
+            <a:r>
+              <a:rPr lang="en-US" dirty="0"/>
+              <a:t>To develop good CQRS representation we need to think about:</a:t>
+            </a:r>
+          </a:p>
+          <a:p>
+            <a:pPr lvl="1"/>
+            <a:r>
+              <a:rPr lang="en-US" dirty="0"/>
+              <a:t>Which DB to choose for our read part.</a:t>
+            </a:r>
+          </a:p>
+          <a:p>
+            <a:pPr lvl="1"/>
+            <a:r>
+              <a:rPr lang="en-US" dirty="0"/>
+              <a:t>How to handle concurrency support</a:t>
+            </a:r>
+          </a:p>
+          <a:p>
+            <a:pPr lvl="1"/>
+            <a:r>
+              <a:rPr lang="en-US" dirty="0"/>
+              <a:t>How to manage delayed consistency</a:t>
+            </a:r>
+          </a:p>
+          <a:p>
+            <a:pPr lvl="1"/>
+            <a:r>
+              <a:rPr lang="en-US" dirty="0"/>
+              <a:t>How you will add and update new representations (views)</a:t>
+            </a:r>
+          </a:p>
+          <a:p>
+            <a:pPr lvl="1"/>
+            <a:endParaRPr lang="en-US" dirty="0"/>
+          </a:p>
+          <a:p>
+            <a:endParaRPr lang="en-US" dirty="0"/>
+          </a:p>
+        </p:txBody>
+      </p:sp>
+    </p:spTree>
+    <p:extLst>
+      <p:ext uri="{BB962C8B-B14F-4D97-AF65-F5344CB8AC3E}">
+        <p14:creationId xmlns:p14="http://schemas.microsoft.com/office/powerpoint/2010/main" val="1806453836"/>
+      </p:ext>
+    </p:extLst>
+  </p:cSld>
+  <p:clrMapOvr>
+    <a:masterClrMapping/>
+  </p:clrMapOvr>
+</p:sld>
+</file>
+
+<file path=ppt/slides/slide16.xml><?xml version="1.0" encoding="utf-8"?>
+<p:sld xmlns:a="http://schemas.openxmlformats.org/drawingml/2006/main" xmlns:r="http://schemas.openxmlformats.org/officeDocument/2006/relationships" xmlns:p="http://schemas.openxmlformats.org/presentationml/2006/main">
+  <p:cSld>
+    <p:spTree>
+      <p:nvGrpSpPr>
+        <p:cNvPr id="1" name=""/>
+        <p:cNvGrpSpPr/>
+        <p:nvPr/>
+      </p:nvGrpSpPr>
+      <p:grpSpPr>
+        <a:xfrm>
+          <a:off x="0" y="0"/>
+          <a:ext cx="0" cy="0"/>
+          <a:chOff x="0" y="0"/>
+          <a:chExt cx="0" cy="0"/>
+        </a:xfrm>
+      </p:grpSpPr>
+      <p:sp>
+        <p:nvSpPr>
+          <p:cNvPr id="2" name="Title 1">
+            <a:extLst>
+              <a:ext uri="{FF2B5EF4-FFF2-40B4-BE49-F238E27FC236}">
+                <a16:creationId xmlns:a16="http://schemas.microsoft.com/office/drawing/2014/main" id="{44FCF2BA-25B5-FF31-8FF4-E94487611731}"/>
+              </a:ext>
+            </a:extLst>
+          </p:cNvPr>
+          <p:cNvSpPr>
+            <a:spLocks noGrp="1"/>
+          </p:cNvSpPr>
+          <p:nvPr>
+            <p:ph type="title"/>
+          </p:nvPr>
+        </p:nvSpPr>
+        <p:spPr>
+          <a:xfrm>
+            <a:off x="2249298" y="2766218"/>
+            <a:ext cx="7693404" cy="1325563"/>
+          </a:xfrm>
+        </p:spPr>
+        <p:txBody>
+          <a:bodyPr>
+            <a:noAutofit/>
+          </a:bodyPr>
+          <a:lstStyle/>
+          <a:p>
+            <a:r>
+              <a:rPr lang="en-US" sz="9600" b="1" dirty="0">
+                <a:solidFill>
+                  <a:srgbClr val="FF0000"/>
+                </a:solidFill>
+              </a:rPr>
+              <a:t>NOT USE CQRS</a:t>
+            </a:r>
+          </a:p>
+        </p:txBody>
+      </p:sp>
+    </p:spTree>
+    <p:extLst>
+      <p:ext uri="{BB962C8B-B14F-4D97-AF65-F5344CB8AC3E}">
+        <p14:creationId xmlns:p14="http://schemas.microsoft.com/office/powerpoint/2010/main" val="2825915747"/>
+      </p:ext>
+    </p:extLst>
+  </p:cSld>
+  <p:clrMapOvr>
+    <a:masterClrMapping/>
+  </p:clrMapOvr>
+</p:sld>
+</file>
+
+<file path=ppt/slides/slide17.xml><?xml version="1.0" encoding="utf-8"?>
+<p:sld xmlns:a="http://schemas.openxmlformats.org/drawingml/2006/main" xmlns:r="http://schemas.openxmlformats.org/officeDocument/2006/relationships" xmlns:p="http://schemas.openxmlformats.org/presentationml/2006/main">
+  <p:cSld>
+    <p:spTree>
+      <p:nvGrpSpPr>
+        <p:cNvPr id="1" name=""/>
+        <p:cNvGrpSpPr/>
+        <p:nvPr/>
+      </p:nvGrpSpPr>
+      <p:grpSpPr>
+        <a:xfrm>
+          <a:off x="0" y="0"/>
+          <a:ext cx="0" cy="0"/>
+          <a:chOff x="0" y="0"/>
+          <a:chExt cx="0" cy="0"/>
+        </a:xfrm>
+      </p:grpSpPr>
+      <p:sp>
+        <p:nvSpPr>
+          <p:cNvPr id="2" name="Title 1">
+            <a:extLst>
+              <a:ext uri="{FF2B5EF4-FFF2-40B4-BE49-F238E27FC236}">
                 <a16:creationId xmlns:a16="http://schemas.microsoft.com/office/drawing/2014/main" id="{77192C8E-326D-D52E-06CC-E3F224CC1D50}"/>
               </a:ext>
             </a:extLst>
@@ -5389,7 +5597,7 @@
         </p:nvSpPr>
         <p:spPr>
           <a:xfrm>
-            <a:off x="1594257" y="3322040"/>
+            <a:off x="1594257" y="2596699"/>
             <a:ext cx="2609675" cy="1669409"/>
           </a:xfrm>
           <a:prstGeom prst="rect">
@@ -5419,7 +5627,7 @@
             <a:pPr algn="ctr"/>
             <a:r>
               <a:rPr lang="en-US" dirty="0"/>
-              <a:t>Service for CUD operations</a:t>
+              <a:t>Command Service for CUD operations</a:t>
             </a:r>
           </a:p>
         </p:txBody>
@@ -5438,7 +5646,7 @@
         </p:nvSpPr>
         <p:spPr>
           <a:xfrm>
-            <a:off x="7988067" y="3322040"/>
+            <a:off x="7988067" y="2596699"/>
             <a:ext cx="2609675" cy="1669409"/>
           </a:xfrm>
           <a:prstGeom prst="rect">
@@ -5468,7 +5676,7 @@
             <a:pPr algn="ctr"/>
             <a:r>
               <a:rPr lang="en-US" dirty="0"/>
-              <a:t>Service for Read operations</a:t>
+              <a:t>Query Service for Read operations</a:t>
             </a:r>
           </a:p>
         </p:txBody>
@@ -5490,7 +5698,7 @@
         </p:nvCxnSpPr>
         <p:spPr>
           <a:xfrm>
-            <a:off x="4203932" y="4156745"/>
+            <a:off x="4203932" y="3431404"/>
             <a:ext cx="3784135" cy="0"/>
           </a:xfrm>
           <a:prstGeom prst="straightConnector1">
@@ -5529,7 +5737,7 @@
         </p:nvSpPr>
         <p:spPr>
           <a:xfrm>
-            <a:off x="5597905" y="3489820"/>
+            <a:off x="5597905" y="2764479"/>
             <a:ext cx="1635853" cy="369332"/>
           </a:xfrm>
           <a:prstGeom prst="rect">
@@ -5564,7 +5772,7 @@
         </p:nvSpPr>
         <p:spPr>
           <a:xfrm>
-            <a:off x="1594257" y="2818701"/>
+            <a:off x="1594257" y="2093360"/>
             <a:ext cx="2609675" cy="369332"/>
           </a:xfrm>
           <a:prstGeom prst="rect">
@@ -5600,7 +5808,7 @@
         </p:nvSpPr>
         <p:spPr>
           <a:xfrm>
-            <a:off x="7988067" y="2818701"/>
+            <a:off x="7988067" y="2093360"/>
             <a:ext cx="2609675" cy="369332"/>
           </a:xfrm>
           <a:prstGeom prst="rect">
@@ -5618,6 +5826,211 @@
             <a:r>
               <a:rPr lang="en-US" dirty="0"/>
               <a:t>READ</a:t>
+            </a:r>
+          </a:p>
+        </p:txBody>
+      </p:sp>
+      <p:sp>
+        <p:nvSpPr>
+          <p:cNvPr id="3" name="Cylinder 2">
+            <a:extLst>
+              <a:ext uri="{FF2B5EF4-FFF2-40B4-BE49-F238E27FC236}">
+                <a16:creationId xmlns:a16="http://schemas.microsoft.com/office/drawing/2014/main" id="{110B2D7A-2762-4BA1-8147-E57A4FA47FC1}"/>
+              </a:ext>
+            </a:extLst>
+          </p:cNvPr>
+          <p:cNvSpPr/>
+          <p:nvPr/>
+        </p:nvSpPr>
+        <p:spPr>
+          <a:xfrm>
+            <a:off x="8556771" y="5394121"/>
+            <a:ext cx="1493240" cy="1098754"/>
+          </a:xfrm>
+          <a:prstGeom prst="can">
+            <a:avLst/>
+          </a:prstGeom>
+        </p:spPr>
+        <p:style>
+          <a:lnRef idx="2">
+            <a:schemeClr val="accent1">
+              <a:shade val="50000"/>
+            </a:schemeClr>
+          </a:lnRef>
+          <a:fillRef idx="1">
+            <a:schemeClr val="accent1"/>
+          </a:fillRef>
+          <a:effectRef idx="0">
+            <a:schemeClr val="accent1"/>
+          </a:effectRef>
+          <a:fontRef idx="minor">
+            <a:schemeClr val="lt1"/>
+          </a:fontRef>
+        </p:style>
+        <p:txBody>
+          <a:bodyPr rtlCol="0" anchor="ctr"/>
+          <a:lstStyle/>
+          <a:p>
+            <a:pPr algn="ctr"/>
+            <a:r>
+              <a:rPr lang="en-US" dirty="0"/>
+              <a:t>DB</a:t>
+            </a:r>
+          </a:p>
+        </p:txBody>
+      </p:sp>
+      <p:cxnSp>
+        <p:nvCxnSpPr>
+          <p:cNvPr id="7" name="Straight Arrow Connector 6">
+            <a:extLst>
+              <a:ext uri="{FF2B5EF4-FFF2-40B4-BE49-F238E27FC236}">
+                <a16:creationId xmlns:a16="http://schemas.microsoft.com/office/drawing/2014/main" id="{2E78A705-3DEC-015B-4054-1370DE68F588}"/>
+              </a:ext>
+            </a:extLst>
+          </p:cNvPr>
+          <p:cNvCxnSpPr>
+            <a:cxnSpLocks/>
+          </p:cNvCxnSpPr>
+          <p:nvPr/>
+        </p:nvCxnSpPr>
+        <p:spPr>
+          <a:xfrm>
+            <a:off x="8940567" y="4266108"/>
+            <a:ext cx="10486" cy="1128013"/>
+          </a:xfrm>
+          <a:prstGeom prst="straightConnector1">
+            <a:avLst/>
+          </a:prstGeom>
+          <a:ln>
+            <a:solidFill>
+              <a:srgbClr val="00B050"/>
+            </a:solidFill>
+            <a:tailEnd type="triangle"/>
+          </a:ln>
+        </p:spPr>
+        <p:style>
+          <a:lnRef idx="1">
+            <a:schemeClr val="accent1"/>
+          </a:lnRef>
+          <a:fillRef idx="0">
+            <a:schemeClr val="accent1"/>
+          </a:fillRef>
+          <a:effectRef idx="0">
+            <a:schemeClr val="accent1"/>
+          </a:effectRef>
+          <a:fontRef idx="minor">
+            <a:schemeClr val="tx1"/>
+          </a:fontRef>
+        </p:style>
+      </p:cxnSp>
+      <p:sp>
+        <p:nvSpPr>
+          <p:cNvPr id="9" name="TextBox 8">
+            <a:extLst>
+              <a:ext uri="{FF2B5EF4-FFF2-40B4-BE49-F238E27FC236}">
+                <a16:creationId xmlns:a16="http://schemas.microsoft.com/office/drawing/2014/main" id="{863D0ECA-A042-230C-3FC7-5C336C79021E}"/>
+              </a:ext>
+            </a:extLst>
+          </p:cNvPr>
+          <p:cNvSpPr txBox="1"/>
+          <p:nvPr/>
+        </p:nvSpPr>
+        <p:spPr>
+          <a:xfrm>
+            <a:off x="7693229" y="4645448"/>
+            <a:ext cx="1085326" cy="369332"/>
+          </a:xfrm>
+          <a:prstGeom prst="rect">
+            <a:avLst/>
+          </a:prstGeom>
+          <a:noFill/>
+        </p:spPr>
+        <p:txBody>
+          <a:bodyPr wrap="square" rtlCol="0">
+            <a:spAutoFit/>
+          </a:bodyPr>
+          <a:lstStyle/>
+          <a:p>
+            <a:r>
+              <a:rPr lang="en-US" dirty="0"/>
+              <a:t>save view</a:t>
+            </a:r>
+          </a:p>
+        </p:txBody>
+      </p:sp>
+      <p:cxnSp>
+        <p:nvCxnSpPr>
+          <p:cNvPr id="14" name="Straight Arrow Connector 13">
+            <a:extLst>
+              <a:ext uri="{FF2B5EF4-FFF2-40B4-BE49-F238E27FC236}">
+                <a16:creationId xmlns:a16="http://schemas.microsoft.com/office/drawing/2014/main" id="{9C5314D7-CE3E-8480-8CF7-4AFE030E68A5}"/>
+              </a:ext>
+            </a:extLst>
+          </p:cNvPr>
+          <p:cNvCxnSpPr/>
+          <p:nvPr/>
+        </p:nvCxnSpPr>
+        <p:spPr>
+          <a:xfrm flipV="1">
+            <a:off x="9655728" y="4266108"/>
+            <a:ext cx="0" cy="1128013"/>
+          </a:xfrm>
+          <a:prstGeom prst="straightConnector1">
+            <a:avLst/>
+          </a:prstGeom>
+          <a:ln>
+            <a:solidFill>
+              <a:srgbClr val="FFC000"/>
+            </a:solidFill>
+            <a:tailEnd type="triangle"/>
+          </a:ln>
+        </p:spPr>
+        <p:style>
+          <a:lnRef idx="1">
+            <a:schemeClr val="accent1"/>
+          </a:lnRef>
+          <a:fillRef idx="0">
+            <a:schemeClr val="accent1"/>
+          </a:fillRef>
+          <a:effectRef idx="0">
+            <a:schemeClr val="accent1"/>
+          </a:effectRef>
+          <a:fontRef idx="minor">
+            <a:schemeClr val="tx1"/>
+          </a:fontRef>
+        </p:style>
+      </p:cxnSp>
+      <p:sp>
+        <p:nvSpPr>
+          <p:cNvPr id="15" name="TextBox 14">
+            <a:extLst>
+              <a:ext uri="{FF2B5EF4-FFF2-40B4-BE49-F238E27FC236}">
+                <a16:creationId xmlns:a16="http://schemas.microsoft.com/office/drawing/2014/main" id="{4C3302E4-57B2-E704-C6C2-44F8084DF9B4}"/>
+              </a:ext>
+            </a:extLst>
+          </p:cNvPr>
+          <p:cNvSpPr txBox="1"/>
+          <p:nvPr/>
+        </p:nvSpPr>
+        <p:spPr>
+          <a:xfrm>
+            <a:off x="9731054" y="4645448"/>
+            <a:ext cx="1191409" cy="369332"/>
+          </a:xfrm>
+          <a:prstGeom prst="rect">
+            <a:avLst/>
+          </a:prstGeom>
+          <a:noFill/>
+        </p:spPr>
+        <p:txBody>
+          <a:bodyPr wrap="square" rtlCol="0">
+            <a:spAutoFit/>
+          </a:bodyPr>
+          <a:lstStyle/>
+          <a:p>
+            <a:r>
+              <a:rPr lang="en-US" dirty="0"/>
+              <a:t>read view</a:t>
             </a:r>
           </a:p>
         </p:txBody>
@@ -5752,7 +6165,7 @@
             </a:pPr>
             <a:r>
               <a:rPr lang="en-US" sz="2400" dirty="0"/>
-              <a:t>We want to separate specific get requests which can be problematic for service.</a:t>
+              <a:t>We want to separate specific get requests which can be problematic for our service.</a:t>
             </a:r>
           </a:p>
         </p:txBody>

--- a/architecture/CQRS + AXON.pptx
+++ b/architecture/CQRS + AXON.pptx
@@ -20,8 +20,8 @@
     <p:sldId id="268" r:id="rId14"/>
     <p:sldId id="269" r:id="rId15"/>
     <p:sldId id="271" r:id="rId16"/>
-    <p:sldId id="272" r:id="rId17"/>
-    <p:sldId id="270" r:id="rId18"/>
+    <p:sldId id="270" r:id="rId17"/>
+    <p:sldId id="272" r:id="rId18"/>
   </p:sldIdLst>
   <p:sldSz cx="12192000" cy="6858000"/>
   <p:notesSz cx="6858000" cy="9144000"/>
@@ -275,7 +275,7 @@
           <a:p>
             <a:fld id="{1606081C-D230-4ED4-9C2F-E1FF72933656}" type="datetimeFigureOut">
               <a:rPr lang="en-US" smtClean="0"/>
-              <a:t>4/6/2023</a:t>
+              <a:t>4/7/2023</a:t>
             </a:fld>
             <a:endParaRPr lang="en-US"/>
           </a:p>
@@ -473,7 +473,7 @@
           <a:p>
             <a:fld id="{1606081C-D230-4ED4-9C2F-E1FF72933656}" type="datetimeFigureOut">
               <a:rPr lang="en-US" smtClean="0"/>
-              <a:t>4/6/2023</a:t>
+              <a:t>4/7/2023</a:t>
             </a:fld>
             <a:endParaRPr lang="en-US"/>
           </a:p>
@@ -681,7 +681,7 @@
           <a:p>
             <a:fld id="{1606081C-D230-4ED4-9C2F-E1FF72933656}" type="datetimeFigureOut">
               <a:rPr lang="en-US" smtClean="0"/>
-              <a:t>4/6/2023</a:t>
+              <a:t>4/7/2023</a:t>
             </a:fld>
             <a:endParaRPr lang="en-US"/>
           </a:p>
@@ -879,7 +879,7 @@
           <a:p>
             <a:fld id="{1606081C-D230-4ED4-9C2F-E1FF72933656}" type="datetimeFigureOut">
               <a:rPr lang="en-US" smtClean="0"/>
-              <a:t>4/6/2023</a:t>
+              <a:t>4/7/2023</a:t>
             </a:fld>
             <a:endParaRPr lang="en-US"/>
           </a:p>
@@ -1154,7 +1154,7 @@
           <a:p>
             <a:fld id="{1606081C-D230-4ED4-9C2F-E1FF72933656}" type="datetimeFigureOut">
               <a:rPr lang="en-US" smtClean="0"/>
-              <a:t>4/6/2023</a:t>
+              <a:t>4/7/2023</a:t>
             </a:fld>
             <a:endParaRPr lang="en-US"/>
           </a:p>
@@ -1419,7 +1419,7 @@
           <a:p>
             <a:fld id="{1606081C-D230-4ED4-9C2F-E1FF72933656}" type="datetimeFigureOut">
               <a:rPr lang="en-US" smtClean="0"/>
-              <a:t>4/6/2023</a:t>
+              <a:t>4/7/2023</a:t>
             </a:fld>
             <a:endParaRPr lang="en-US"/>
           </a:p>
@@ -1831,7 +1831,7 @@
           <a:p>
             <a:fld id="{1606081C-D230-4ED4-9C2F-E1FF72933656}" type="datetimeFigureOut">
               <a:rPr lang="en-US" smtClean="0"/>
-              <a:t>4/6/2023</a:t>
+              <a:t>4/7/2023</a:t>
             </a:fld>
             <a:endParaRPr lang="en-US"/>
           </a:p>
@@ -1972,7 +1972,7 @@
           <a:p>
             <a:fld id="{1606081C-D230-4ED4-9C2F-E1FF72933656}" type="datetimeFigureOut">
               <a:rPr lang="en-US" smtClean="0"/>
-              <a:t>4/6/2023</a:t>
+              <a:t>4/7/2023</a:t>
             </a:fld>
             <a:endParaRPr lang="en-US"/>
           </a:p>
@@ -2085,7 +2085,7 @@
           <a:p>
             <a:fld id="{1606081C-D230-4ED4-9C2F-E1FF72933656}" type="datetimeFigureOut">
               <a:rPr lang="en-US" smtClean="0"/>
-              <a:t>4/6/2023</a:t>
+              <a:t>4/7/2023</a:t>
             </a:fld>
             <a:endParaRPr lang="en-US"/>
           </a:p>
@@ -2396,7 +2396,7 @@
           <a:p>
             <a:fld id="{1606081C-D230-4ED4-9C2F-E1FF72933656}" type="datetimeFigureOut">
               <a:rPr lang="en-US" smtClean="0"/>
-              <a:t>4/6/2023</a:t>
+              <a:t>4/7/2023</a:t>
             </a:fld>
             <a:endParaRPr lang="en-US"/>
           </a:p>
@@ -2684,7 +2684,7 @@
           <a:p>
             <a:fld id="{1606081C-D230-4ED4-9C2F-E1FF72933656}" type="datetimeFigureOut">
               <a:rPr lang="en-US" smtClean="0"/>
-              <a:t>4/6/2023</a:t>
+              <a:t>4/7/2023</a:t>
             </a:fld>
             <a:endParaRPr lang="en-US"/>
           </a:p>
@@ -2925,7 +2925,7 @@
           <a:p>
             <a:fld id="{1606081C-D230-4ED4-9C2F-E1FF72933656}" type="datetimeFigureOut">
               <a:rPr lang="en-US" smtClean="0"/>
-              <a:t>4/6/2023</a:t>
+              <a:t>4/7/2023</a:t>
             </a:fld>
             <a:endParaRPr lang="en-US"/>
           </a:p>
@@ -5208,7 +5208,7 @@
           <p:cNvPr id="2" name="Title 1">
             <a:extLst>
               <a:ext uri="{FF2B5EF4-FFF2-40B4-BE49-F238E27FC236}">
-                <a16:creationId xmlns:a16="http://schemas.microsoft.com/office/drawing/2014/main" id="{44FCF2BA-25B5-FF31-8FF4-E94487611731}"/>
+                <a16:creationId xmlns:a16="http://schemas.microsoft.com/office/drawing/2014/main" id="{77192C8E-326D-D52E-06CC-E3F224CC1D50}"/>
               </a:ext>
             </a:extLst>
           </p:cNvPr>
@@ -5219,33 +5219,112 @@
             <p:ph type="title"/>
           </p:nvPr>
         </p:nvSpPr>
-        <p:spPr>
-          <a:xfrm>
-            <a:off x="2249298" y="2766218"/>
-            <a:ext cx="7693404" cy="1325563"/>
-          </a:xfrm>
-        </p:spPr>
+        <p:spPr/>
+        <p:txBody>
+          <a:bodyPr/>
+          <a:lstStyle/>
+          <a:p>
+            <a:pPr algn="ctr"/>
+            <a:r>
+              <a:rPr lang="en-US" dirty="0"/>
+              <a:t>AXON</a:t>
+            </a:r>
+          </a:p>
+        </p:txBody>
+      </p:sp>
+      <p:sp>
+        <p:nvSpPr>
+          <p:cNvPr id="3" name="Content Placeholder 2">
+            <a:extLst>
+              <a:ext uri="{FF2B5EF4-FFF2-40B4-BE49-F238E27FC236}">
+                <a16:creationId xmlns:a16="http://schemas.microsoft.com/office/drawing/2014/main" id="{98E9D00B-5A32-ADB8-5EED-DE08DC37DD8D}"/>
+              </a:ext>
+            </a:extLst>
+          </p:cNvPr>
+          <p:cNvSpPr>
+            <a:spLocks noGrp="1"/>
+          </p:cNvSpPr>
+          <p:nvPr>
+            <p:ph idx="1"/>
+          </p:nvPr>
+        </p:nvSpPr>
+        <p:spPr/>
         <p:txBody>
           <a:bodyPr>
-            <a:noAutofit/>
+            <a:normAutofit lnSpcReduction="10000"/>
           </a:bodyPr>
           <a:lstStyle/>
           <a:p>
             <a:r>
-              <a:rPr lang="en-US" sz="9600" b="1" dirty="0">
+              <a:rPr lang="en-US" dirty="0"/>
+              <a:t>Axon - is one of the few frameworks that allow you to create flexible microservice solutions using the Event Sourcing and CQRS architectural patterns.</a:t>
+            </a:r>
+          </a:p>
+          <a:p>
+            <a:r>
+              <a:rPr lang="en-US" b="0" i="0" dirty="0">
                 <a:solidFill>
-                  <a:srgbClr val="FF0000"/>
+                  <a:srgbClr val="000000"/>
                 </a:solidFill>
+                <a:effectLst/>
               </a:rPr>
-              <a:t>NOT USE CQRS</a:t>
-            </a:r>
+              <a:t>Event Sourcing </a:t>
+            </a:r>
+            <a:r>
+              <a:rPr lang="en-US" b="1" i="0" dirty="0">
+                <a:solidFill>
+                  <a:srgbClr val="000000"/>
+                </a:solidFill>
+                <a:effectLst/>
+              </a:rPr>
+              <a:t>gives us a new way of persisting application state as an ordered sequence of events</a:t>
+            </a:r>
+            <a:r>
+              <a:rPr lang="en-US" b="0" i="0" dirty="0">
+                <a:solidFill>
+                  <a:srgbClr val="000000"/>
+                </a:solidFill>
+                <a:effectLst/>
+              </a:rPr>
+              <a:t>. We can selectively query these events and reconstruct the state of the application at any point in time. Of course, to make this work, we need to reimage every change to the state of the application as events.</a:t>
+            </a:r>
+          </a:p>
+          <a:p>
+            <a:r>
+              <a:rPr lang="en-US" b="0" i="0" dirty="0">
+                <a:solidFill>
+                  <a:srgbClr val="000000"/>
+                </a:solidFill>
+                <a:effectLst/>
+              </a:rPr>
+              <a:t>These events here </a:t>
+            </a:r>
+            <a:r>
+              <a:rPr lang="en-US" b="1" i="0" dirty="0">
+                <a:solidFill>
+                  <a:srgbClr val="000000"/>
+                </a:solidFill>
+                <a:effectLst/>
+              </a:rPr>
+              <a:t>are facts that have happened and can not be altered</a:t>
+            </a:r>
+            <a:r>
+              <a:rPr lang="en-US" b="0" i="0" dirty="0">
+                <a:solidFill>
+                  <a:srgbClr val="000000"/>
+                </a:solidFill>
+                <a:effectLst/>
+              </a:rPr>
+              <a:t> — in other words, they must be immutable. Recreating the application state is just a matter of replaying all the events.</a:t>
+            </a:r>
+            <a:endParaRPr lang="en-US" dirty="0"/>
           </a:p>
         </p:txBody>
       </p:sp>
     </p:spTree>
     <p:extLst>
       <p:ext uri="{BB962C8B-B14F-4D97-AF65-F5344CB8AC3E}">
-        <p14:creationId xmlns:p14="http://schemas.microsoft.com/office/powerpoint/2010/main" val="2825915747"/>
+        <p14:creationId xmlns:p14="http://schemas.microsoft.com/office/powerpoint/2010/main" val="3659083308"/>
       </p:ext>
     </p:extLst>
   </p:cSld>
@@ -5277,7 +5356,7 @@
           <p:cNvPr id="2" name="Title 1">
             <a:extLst>
               <a:ext uri="{FF2B5EF4-FFF2-40B4-BE49-F238E27FC236}">
-                <a16:creationId xmlns:a16="http://schemas.microsoft.com/office/drawing/2014/main" id="{77192C8E-326D-D52E-06CC-E3F224CC1D50}"/>
+                <a16:creationId xmlns:a16="http://schemas.microsoft.com/office/drawing/2014/main" id="{44FCF2BA-25B5-FF31-8FF4-E94487611731}"/>
               </a:ext>
             </a:extLst>
           </p:cNvPr>
@@ -5288,112 +5367,73 @@
             <p:ph type="title"/>
           </p:nvPr>
         </p:nvSpPr>
-        <p:spPr/>
-        <p:txBody>
-          <a:bodyPr/>
+        <p:spPr>
+          <a:xfrm>
+            <a:off x="2249297" y="2766218"/>
+            <a:ext cx="7693404" cy="1325563"/>
+          </a:xfrm>
+        </p:spPr>
+        <p:txBody>
+          <a:bodyPr>
+            <a:noAutofit/>
+          </a:bodyPr>
+          <a:lstStyle/>
+          <a:p>
+            <a:r>
+              <a:rPr lang="en-US" sz="9600" b="1" dirty="0">
+                <a:solidFill>
+                  <a:srgbClr val="FF0000"/>
+                </a:solidFill>
+              </a:rPr>
+              <a:t>NOT USE CQRS</a:t>
+            </a:r>
+          </a:p>
+        </p:txBody>
+      </p:sp>
+      <p:sp>
+        <p:nvSpPr>
+          <p:cNvPr id="3" name="TextBox 2">
+            <a:extLst>
+              <a:ext uri="{FF2B5EF4-FFF2-40B4-BE49-F238E27FC236}">
+                <a16:creationId xmlns:a16="http://schemas.microsoft.com/office/drawing/2014/main" id="{01EEF0F8-6C02-11A5-9694-50D535FDA303}"/>
+              </a:ext>
+            </a:extLst>
+          </p:cNvPr>
+          <p:cNvSpPr txBox="1"/>
+          <p:nvPr/>
+        </p:nvSpPr>
+        <p:spPr>
+          <a:xfrm>
+            <a:off x="4780383" y="6120882"/>
+            <a:ext cx="2631233" cy="369332"/>
+          </a:xfrm>
+          <a:prstGeom prst="rect">
+            <a:avLst/>
+          </a:prstGeom>
+          <a:noFill/>
+        </p:spPr>
+        <p:txBody>
+          <a:bodyPr wrap="square" rtlCol="0">
+            <a:spAutoFit/>
+          </a:bodyPr>
           <a:lstStyle/>
           <a:p>
             <a:pPr algn="ctr"/>
             <a:r>
-              <a:rPr lang="en-US" dirty="0"/>
-              <a:t>AXON</a:t>
-            </a:r>
-          </a:p>
-        </p:txBody>
-      </p:sp>
-      <p:sp>
-        <p:nvSpPr>
-          <p:cNvPr id="3" name="Content Placeholder 2">
-            <a:extLst>
-              <a:ext uri="{FF2B5EF4-FFF2-40B4-BE49-F238E27FC236}">
-                <a16:creationId xmlns:a16="http://schemas.microsoft.com/office/drawing/2014/main" id="{98E9D00B-5A32-ADB8-5EED-DE08DC37DD8D}"/>
-              </a:ext>
-            </a:extLst>
-          </p:cNvPr>
-          <p:cNvSpPr>
-            <a:spLocks noGrp="1"/>
-          </p:cNvSpPr>
-          <p:nvPr>
-            <p:ph idx="1"/>
-          </p:nvPr>
-        </p:nvSpPr>
-        <p:spPr/>
-        <p:txBody>
-          <a:bodyPr>
-            <a:normAutofit lnSpcReduction="10000"/>
-          </a:bodyPr>
-          <a:lstStyle/>
-          <a:p>
-            <a:r>
-              <a:rPr lang="en-US" dirty="0"/>
-              <a:t>Axon - is one of the few frameworks that allow you to create flexible microservice solutions using the Event Sourcing and CQRS architectural patterns.</a:t>
-            </a:r>
-          </a:p>
-          <a:p>
-            <a:r>
-              <a:rPr lang="en-US" b="0" i="0" dirty="0">
+              <a:rPr lang="en-US" dirty="0">
                 <a:solidFill>
-                  <a:srgbClr val="000000"/>
+                  <a:srgbClr val="FF0000"/>
                 </a:solidFill>
-                <a:effectLst/>
               </a:rPr>
-              <a:t>Event Sourcing </a:t>
-            </a:r>
-            <a:r>
-              <a:rPr lang="en-US" b="1" i="0" dirty="0">
-                <a:solidFill>
-                  <a:srgbClr val="000000"/>
-                </a:solidFill>
-                <a:effectLst/>
-              </a:rPr>
-              <a:t>gives us a new way of persisting application state as an ordered sequence of events</a:t>
-            </a:r>
-            <a:r>
-              <a:rPr lang="en-US" b="0" i="0" dirty="0">
-                <a:solidFill>
-                  <a:srgbClr val="000000"/>
-                </a:solidFill>
-                <a:effectLst/>
-              </a:rPr>
-              <a:t>. We can selectively query these events and reconstruct the state of the application at any point in time. Of course, to make this work, we need to reimage every change to the state of the application as events.</a:t>
-            </a:r>
-          </a:p>
-          <a:p>
-            <a:r>
-              <a:rPr lang="en-US" b="0" i="0" dirty="0">
-                <a:solidFill>
-                  <a:srgbClr val="000000"/>
-                </a:solidFill>
-                <a:effectLst/>
-              </a:rPr>
-              <a:t>These events here </a:t>
-            </a:r>
-            <a:r>
-              <a:rPr lang="en-US" b="1" i="0" dirty="0">
-                <a:solidFill>
-                  <a:srgbClr val="000000"/>
-                </a:solidFill>
-                <a:effectLst/>
-              </a:rPr>
-              <a:t>are facts that have happened and can not be altered</a:t>
-            </a:r>
-            <a:r>
-              <a:rPr lang="en-US" b="0" i="0" dirty="0">
-                <a:solidFill>
-                  <a:srgbClr val="000000"/>
-                </a:solidFill>
-                <a:effectLst/>
-              </a:rPr>
-              <a:t> — in other words, they must be immutable. Recreating the application state is just a matter of replaying all the events.</a:t>
-            </a:r>
-            <a:endParaRPr lang="en-US" dirty="0"/>
+              <a:t>everywhere</a:t>
+            </a:r>
           </a:p>
         </p:txBody>
       </p:sp>
     </p:spTree>
     <p:extLst>
       <p:ext uri="{BB962C8B-B14F-4D97-AF65-F5344CB8AC3E}">
-        <p14:creationId xmlns:p14="http://schemas.microsoft.com/office/powerpoint/2010/main" val="3659083308"/>
+        <p14:creationId xmlns:p14="http://schemas.microsoft.com/office/powerpoint/2010/main" val="2825915747"/>
       </p:ext>
     </p:extLst>
   </p:cSld>
